--- a/grpc.pptx
+++ b/grpc.pptx
@@ -12195,14 +12195,14 @@
             <p:ph idx="1"/>
             <p:extLst>
               <p:ext uri="{D42A27DB-BD31-4B8C-83A1-F6EECF244321}">
-                <p14:modId xmlns:p14="http://schemas.microsoft.com/office/powerpoint/2010/main" val="3094142645"/>
+                <p14:modId xmlns:p14="http://schemas.microsoft.com/office/powerpoint/2010/main" val="2338629226"/>
               </p:ext>
             </p:extLst>
           </p:nvPr>
         </p:nvGraphicFramePr>
         <p:xfrm>
           <a:off x="677863" y="2160588"/>
-          <a:ext cx="8596312" cy="1752600"/>
+          <a:ext cx="8596312" cy="2575560"/>
         </p:xfrm>
         <a:graphic>
           <a:graphicData uri="http://schemas.openxmlformats.org/drawingml/2006/table">
@@ -12320,12 +12320,8 @@
                     <a:lstStyle/>
                     <a:p>
                       <a:r>
-                        <a:rPr lang="en-DE" dirty="0" err="1"/>
-                        <a:t>Probocol</a:t>
-                      </a:r>
-                      <a:r>
                         <a:rPr lang="en-DE" dirty="0"/>
-                        <a:t> Buffers</a:t>
+                        <a:t>Protocol Buffers</a:t>
                       </a:r>
                     </a:p>
                   </a:txBody>
@@ -12447,6 +12443,15 @@
                       </a:r>
                       <a:endParaRPr lang="en-DE" dirty="0"/>
                     </a:p>
+                    <a:p>
+                      <a:endParaRPr lang="en-DE" dirty="0"/>
+                    </a:p>
+                    <a:p>
+                      <a:r>
+                        <a:rPr lang="en-DE" dirty="0"/>
+                        <a:t>Every function documented</a:t>
+                      </a:r>
+                    </a:p>
                   </a:txBody>
                   <a:tcPr marL="74751" marR="74751"/>
                 </a:tc>
@@ -12460,6 +12465,15 @@
                         <a:t>RESTful URIs to access resources</a:t>
                       </a:r>
                       <a:endParaRPr lang="en-DE" dirty="0"/>
+                    </a:p>
+                    <a:p>
+                      <a:endParaRPr lang="en-DE" dirty="0"/>
+                    </a:p>
+                    <a:p>
+                      <a:r>
+                        <a:rPr lang="en-DE" dirty="0"/>
+                        <a:t>HTTP Verbs for different functions</a:t>
+                      </a:r>
                     </a:p>
                   </a:txBody>
                   <a:tcPr marL="74751" marR="74751"/>
@@ -12477,6 +12491,16 @@
                         <a:rPr lang="en-DE" dirty="0"/>
                         <a:t>defined in XML</a:t>
                       </a:r>
+                    </a:p>
+                    <a:p>
+                      <a:endParaRPr lang="en-DE" dirty="0"/>
+                    </a:p>
+                    <a:p>
+                      <a:r>
+                        <a:rPr lang="en-DE"/>
+                        <a:t>Every function documented</a:t>
+                      </a:r>
+                      <a:endParaRPr lang="en-DE" dirty="0"/>
                     </a:p>
                   </a:txBody>
                   <a:tcPr marL="74751" marR="74751"/>

--- a/grpc.pptx
+++ b/grpc.pptx
@@ -12497,10 +12497,9 @@
                     </a:p>
                     <a:p>
                       <a:r>
-                        <a:rPr lang="en-DE"/>
+                        <a:rPr lang="en-DE" dirty="0"/>
                         <a:t>Every function documented</a:t>
                       </a:r>
-                      <a:endParaRPr lang="en-DE" dirty="0"/>
                     </a:p>
                   </a:txBody>
                   <a:tcPr marL="74751" marR="74751"/>
@@ -13497,6 +13496,21 @@
             <a:r>
               <a:rPr lang="en-DE" dirty="0"/>
               <a:t> binary format</a:t>
+            </a:r>
+          </a:p>
+          <a:p>
+            <a:endParaRPr lang="en-DE" dirty="0"/>
+          </a:p>
+          <a:p>
+            <a:r>
+              <a:rPr lang="en-DE" dirty="0"/>
+              <a:t>Up to 90% Smaller than raw JSON</a:t>
+            </a:r>
+          </a:p>
+          <a:p>
+            <a:r>
+              <a:rPr lang="en-DE" dirty="0"/>
+              <a:t>Up to 30% Smaller than zipped JSON</a:t>
             </a:r>
           </a:p>
         </p:txBody>
@@ -14137,6 +14151,171 @@
   <p:clrMapOvr>
     <a:masterClrMapping/>
   </p:clrMapOvr>
+  <p:timing>
+    <p:tnLst>
+      <p:par>
+        <p:cTn id="1" dur="indefinite" restart="never" nodeType="tmRoot">
+          <p:childTnLst>
+            <p:seq concurrent="1" nextAc="seek">
+              <p:cTn id="2" dur="indefinite" nodeType="mainSeq">
+                <p:childTnLst>
+                  <p:par>
+                    <p:cTn id="3" fill="hold">
+                      <p:stCondLst>
+                        <p:cond delay="indefinite"/>
+                      </p:stCondLst>
+                      <p:childTnLst>
+                        <p:par>
+                          <p:cTn id="4" fill="hold">
+                            <p:stCondLst>
+                              <p:cond delay="0"/>
+                            </p:stCondLst>
+                            <p:childTnLst>
+                              <p:par>
+                                <p:cTn id="5" presetID="1" presetClass="entr" presetSubtype="0" fill="hold" nodeType="clickEffect">
+                                  <p:stCondLst>
+                                    <p:cond delay="0"/>
+                                  </p:stCondLst>
+                                  <p:childTnLst>
+                                    <p:set>
+                                      <p:cBhvr>
+                                        <p:cTn id="6" dur="1" fill="hold">
+                                          <p:stCondLst>
+                                            <p:cond delay="0"/>
+                                          </p:stCondLst>
+                                        </p:cTn>
+                                        <p:tgtEl>
+                                          <p:spTgt spid="5"/>
+                                        </p:tgtEl>
+                                        <p:attrNameLst>
+                                          <p:attrName>style.visibility</p:attrName>
+                                        </p:attrNameLst>
+                                      </p:cBhvr>
+                                      <p:to>
+                                        <p:strVal val="visible"/>
+                                      </p:to>
+                                    </p:set>
+                                  </p:childTnLst>
+                                </p:cTn>
+                              </p:par>
+                            </p:childTnLst>
+                          </p:cTn>
+                        </p:par>
+                      </p:childTnLst>
+                    </p:cTn>
+                  </p:par>
+                  <p:par>
+                    <p:cTn id="7" fill="hold">
+                      <p:stCondLst>
+                        <p:cond delay="indefinite"/>
+                      </p:stCondLst>
+                      <p:childTnLst>
+                        <p:par>
+                          <p:cTn id="8" fill="hold">
+                            <p:stCondLst>
+                              <p:cond delay="0"/>
+                            </p:stCondLst>
+                            <p:childTnLst>
+                              <p:par>
+                                <p:cTn id="9" presetID="1" presetClass="entr" presetSubtype="0" fill="hold" nodeType="clickEffect">
+                                  <p:stCondLst>
+                                    <p:cond delay="0"/>
+                                  </p:stCondLst>
+                                  <p:childTnLst>
+                                    <p:set>
+                                      <p:cBhvr>
+                                        <p:cTn id="10" dur="1" fill="hold">
+                                          <p:stCondLst>
+                                            <p:cond delay="0"/>
+                                          </p:stCondLst>
+                                        </p:cTn>
+                                        <p:tgtEl>
+                                          <p:spTgt spid="9"/>
+                                        </p:tgtEl>
+                                        <p:attrNameLst>
+                                          <p:attrName>style.visibility</p:attrName>
+                                        </p:attrNameLst>
+                                      </p:cBhvr>
+                                      <p:to>
+                                        <p:strVal val="visible"/>
+                                      </p:to>
+                                    </p:set>
+                                  </p:childTnLst>
+                                </p:cTn>
+                              </p:par>
+                            </p:childTnLst>
+                          </p:cTn>
+                        </p:par>
+                      </p:childTnLst>
+                    </p:cTn>
+                  </p:par>
+                  <p:par>
+                    <p:cTn id="11" fill="hold">
+                      <p:stCondLst>
+                        <p:cond delay="indefinite"/>
+                      </p:stCondLst>
+                      <p:childTnLst>
+                        <p:par>
+                          <p:cTn id="12" fill="hold">
+                            <p:stCondLst>
+                              <p:cond delay="0"/>
+                            </p:stCondLst>
+                            <p:childTnLst>
+                              <p:par>
+                                <p:cTn id="13" presetID="1" presetClass="entr" presetSubtype="0" fill="hold" nodeType="clickEffect">
+                                  <p:stCondLst>
+                                    <p:cond delay="0"/>
+                                  </p:stCondLst>
+                                  <p:childTnLst>
+                                    <p:set>
+                                      <p:cBhvr>
+                                        <p:cTn id="14" dur="1" fill="hold">
+                                          <p:stCondLst>
+                                            <p:cond delay="0"/>
+                                          </p:stCondLst>
+                                        </p:cTn>
+                                        <p:tgtEl>
+                                          <p:spTgt spid="7"/>
+                                        </p:tgtEl>
+                                        <p:attrNameLst>
+                                          <p:attrName>style.visibility</p:attrName>
+                                        </p:attrNameLst>
+                                      </p:cBhvr>
+                                      <p:to>
+                                        <p:strVal val="visible"/>
+                                      </p:to>
+                                    </p:set>
+                                  </p:childTnLst>
+                                </p:cTn>
+                              </p:par>
+                            </p:childTnLst>
+                          </p:cTn>
+                        </p:par>
+                      </p:childTnLst>
+                    </p:cTn>
+                  </p:par>
+                </p:childTnLst>
+              </p:cTn>
+              <p:prevCondLst>
+                <p:cond evt="onPrev" delay="0">
+                  <p:tgtEl>
+                    <p:sldTgt/>
+                  </p:tgtEl>
+                </p:cond>
+              </p:prevCondLst>
+              <p:nextCondLst>
+                <p:cond evt="onNext" delay="0">
+                  <p:tgtEl>
+                    <p:sldTgt/>
+                  </p:tgtEl>
+                </p:cond>
+              </p:nextCondLst>
+            </p:seq>
+          </p:childTnLst>
+        </p:cTn>
+      </p:par>
+    </p:tnLst>
+  </p:timing>
 </p:sld>
 </file>
 

--- a/grpc.pptx
+++ b/grpc.pptx
@@ -9,18 +9,19 @@
     <p:sldId id="257" r:id="rId3"/>
     <p:sldId id="258" r:id="rId4"/>
     <p:sldId id="269" r:id="rId5"/>
-    <p:sldId id="261" r:id="rId6"/>
-    <p:sldId id="262" r:id="rId7"/>
-    <p:sldId id="270" r:id="rId8"/>
-    <p:sldId id="268" r:id="rId9"/>
-    <p:sldId id="266" r:id="rId10"/>
-    <p:sldId id="267" r:id="rId11"/>
-    <p:sldId id="263" r:id="rId12"/>
-    <p:sldId id="264" r:id="rId13"/>
-    <p:sldId id="265" r:id="rId14"/>
-    <p:sldId id="271" r:id="rId15"/>
-    <p:sldId id="260" r:id="rId16"/>
-    <p:sldId id="259" r:id="rId17"/>
+    <p:sldId id="272" r:id="rId6"/>
+    <p:sldId id="261" r:id="rId7"/>
+    <p:sldId id="262" r:id="rId8"/>
+    <p:sldId id="270" r:id="rId9"/>
+    <p:sldId id="268" r:id="rId10"/>
+    <p:sldId id="266" r:id="rId11"/>
+    <p:sldId id="267" r:id="rId12"/>
+    <p:sldId id="263" r:id="rId13"/>
+    <p:sldId id="264" r:id="rId14"/>
+    <p:sldId id="265" r:id="rId15"/>
+    <p:sldId id="271" r:id="rId16"/>
+    <p:sldId id="260" r:id="rId17"/>
+    <p:sldId id="259" r:id="rId18"/>
   </p:sldIdLst>
   <p:sldSz cx="12192000" cy="6858000"/>
   <p:notesSz cx="6858000" cy="9144000"/>
@@ -1844,8 +1845,8 @@
         <a:lstStyle/>
         <a:p>
           <a:r>
-            <a:rPr lang="en-DE" dirty="0" err="1"/>
-            <a:t>Inegration</a:t>
+            <a:rPr lang="de-DE" dirty="0"/>
+            <a:t>Integration</a:t>
           </a:r>
           <a:r>
             <a:rPr lang="en-DE" dirty="0"/>
@@ -2795,8 +2796,8 @@
             <a:buNone/>
           </a:pPr>
           <a:r>
-            <a:rPr lang="en-DE" sz="1800" kern="1200" dirty="0" err="1"/>
-            <a:t>Inegration</a:t>
+            <a:rPr lang="de-DE" sz="1800" kern="1200" dirty="0"/>
+            <a:t>Integration</a:t>
           </a:r>
           <a:r>
             <a:rPr lang="en-DE" sz="1800" kern="1200" dirty="0"/>
@@ -6915,7 +6916,7 @@
           <a:p>
             <a:fld id="{EACC5EBC-95E6-484E-892E-2319EB069501}" type="datetimeFigureOut">
               <a:rPr lang="en-DE" smtClean="0"/>
-              <a:t>30/10/2024</a:t>
+              <a:t>31/10/2024</a:t>
             </a:fld>
             <a:endParaRPr lang="en-DE"/>
           </a:p>
@@ -7166,7 +7167,7 @@
           <a:p>
             <a:fld id="{EACC5EBC-95E6-484E-892E-2319EB069501}" type="datetimeFigureOut">
               <a:rPr lang="en-DE" smtClean="0"/>
-              <a:t>30/10/2024</a:t>
+              <a:t>31/10/2024</a:t>
             </a:fld>
             <a:endParaRPr lang="en-DE"/>
           </a:p>
@@ -7480,7 +7481,7 @@
           <a:p>
             <a:fld id="{EACC5EBC-95E6-484E-892E-2319EB069501}" type="datetimeFigureOut">
               <a:rPr lang="en-DE" smtClean="0"/>
-              <a:t>30/10/2024</a:t>
+              <a:t>31/10/2024</a:t>
             </a:fld>
             <a:endParaRPr lang="en-DE"/>
           </a:p>
@@ -7821,7 +7822,7 @@
           <a:p>
             <a:fld id="{EACC5EBC-95E6-484E-892E-2319EB069501}" type="datetimeFigureOut">
               <a:rPr lang="en-DE" smtClean="0"/>
-              <a:t>30/10/2024</a:t>
+              <a:t>31/10/2024</a:t>
             </a:fld>
             <a:endParaRPr lang="en-DE"/>
           </a:p>
@@ -8135,7 +8136,7 @@
           <a:p>
             <a:fld id="{EACC5EBC-95E6-484E-892E-2319EB069501}" type="datetimeFigureOut">
               <a:rPr lang="en-DE" smtClean="0"/>
-              <a:t>30/10/2024</a:t>
+              <a:t>31/10/2024</a:t>
             </a:fld>
             <a:endParaRPr lang="en-DE"/>
           </a:p>
@@ -8528,7 +8529,7 @@
           <a:p>
             <a:fld id="{EACC5EBC-95E6-484E-892E-2319EB069501}" type="datetimeFigureOut">
               <a:rPr lang="en-DE" smtClean="0"/>
-              <a:t>30/10/2024</a:t>
+              <a:t>31/10/2024</a:t>
             </a:fld>
             <a:endParaRPr lang="en-DE"/>
           </a:p>
@@ -8698,7 +8699,7 @@
           <a:p>
             <a:fld id="{EACC5EBC-95E6-484E-892E-2319EB069501}" type="datetimeFigureOut">
               <a:rPr lang="en-DE" smtClean="0"/>
-              <a:t>30/10/2024</a:t>
+              <a:t>31/10/2024</a:t>
             </a:fld>
             <a:endParaRPr lang="en-DE"/>
           </a:p>
@@ -8878,7 +8879,7 @@
           <a:p>
             <a:fld id="{EACC5EBC-95E6-484E-892E-2319EB069501}" type="datetimeFigureOut">
               <a:rPr lang="en-DE" smtClean="0"/>
-              <a:t>30/10/2024</a:t>
+              <a:t>31/10/2024</a:t>
             </a:fld>
             <a:endParaRPr lang="en-DE"/>
           </a:p>
@@ -9054,7 +9055,7 @@
           <a:p>
             <a:fld id="{EACC5EBC-95E6-484E-892E-2319EB069501}" type="datetimeFigureOut">
               <a:rPr lang="en-DE" smtClean="0"/>
-              <a:t>30/10/2024</a:t>
+              <a:t>31/10/2024</a:t>
             </a:fld>
             <a:endParaRPr lang="en-DE"/>
           </a:p>
@@ -9301,7 +9302,7 @@
           <a:p>
             <a:fld id="{EACC5EBC-95E6-484E-892E-2319EB069501}" type="datetimeFigureOut">
               <a:rPr lang="en-DE" smtClean="0"/>
-              <a:t>30/10/2024</a:t>
+              <a:t>31/10/2024</a:t>
             </a:fld>
             <a:endParaRPr lang="en-DE"/>
           </a:p>
@@ -9533,7 +9534,7 @@
           <a:p>
             <a:fld id="{EACC5EBC-95E6-484E-892E-2319EB069501}" type="datetimeFigureOut">
               <a:rPr lang="en-DE" smtClean="0"/>
-              <a:t>30/10/2024</a:t>
+              <a:t>31/10/2024</a:t>
             </a:fld>
             <a:endParaRPr lang="en-DE"/>
           </a:p>
@@ -9907,7 +9908,7 @@
           <a:p>
             <a:fld id="{EACC5EBC-95E6-484E-892E-2319EB069501}" type="datetimeFigureOut">
               <a:rPr lang="en-DE" smtClean="0"/>
-              <a:t>30/10/2024</a:t>
+              <a:t>31/10/2024</a:t>
             </a:fld>
             <a:endParaRPr lang="en-DE"/>
           </a:p>
@@ -10030,7 +10031,7 @@
           <a:p>
             <a:fld id="{EACC5EBC-95E6-484E-892E-2319EB069501}" type="datetimeFigureOut">
               <a:rPr lang="en-DE" smtClean="0"/>
-              <a:t>30/10/2024</a:t>
+              <a:t>31/10/2024</a:t>
             </a:fld>
             <a:endParaRPr lang="en-DE"/>
           </a:p>
@@ -10125,7 +10126,7 @@
           <a:p>
             <a:fld id="{EACC5EBC-95E6-484E-892E-2319EB069501}" type="datetimeFigureOut">
               <a:rPr lang="en-DE" smtClean="0"/>
-              <a:t>30/10/2024</a:t>
+              <a:t>31/10/2024</a:t>
             </a:fld>
             <a:endParaRPr lang="en-DE"/>
           </a:p>
@@ -10380,7 +10381,7 @@
           <a:p>
             <a:fld id="{EACC5EBC-95E6-484E-892E-2319EB069501}" type="datetimeFigureOut">
               <a:rPr lang="en-DE" smtClean="0"/>
-              <a:t>30/10/2024</a:t>
+              <a:t>31/10/2024</a:t>
             </a:fld>
             <a:endParaRPr lang="en-DE"/>
           </a:p>
@@ -10643,7 +10644,7 @@
           <a:p>
             <a:fld id="{EACC5EBC-95E6-484E-892E-2319EB069501}" type="datetimeFigureOut">
               <a:rPr lang="en-DE" smtClean="0"/>
-              <a:t>30/10/2024</a:t>
+              <a:t>31/10/2024</a:t>
             </a:fld>
             <a:endParaRPr lang="en-DE"/>
           </a:p>
@@ -11386,7 +11387,7 @@
           <a:p>
             <a:fld id="{EACC5EBC-95E6-484E-892E-2319EB069501}" type="datetimeFigureOut">
               <a:rPr lang="en-DE" smtClean="0"/>
-              <a:t>30/10/2024</a:t>
+              <a:t>31/10/2024</a:t>
             </a:fld>
             <a:endParaRPr lang="en-DE"/>
           </a:p>
@@ -12039,6 +12040,374 @@
 <file path=ppt/slides/slide10.xml><?xml version="1.0" encoding="utf-8"?>
 <p:sld xmlns:a="http://schemas.openxmlformats.org/drawingml/2006/main" xmlns:r="http://schemas.openxmlformats.org/officeDocument/2006/relationships" xmlns:p="http://schemas.openxmlformats.org/presentationml/2006/main">
   <p:cSld>
+    <p:bg>
+      <p:bgPr>
+        <a:solidFill>
+          <a:schemeClr val="bg1"/>
+        </a:solidFill>
+        <a:effectLst/>
+      </p:bgPr>
+    </p:bg>
+    <p:spTree>
+      <p:nvGrpSpPr>
+        <p:cNvPr id="1" name=""/>
+        <p:cNvGrpSpPr/>
+        <p:nvPr/>
+      </p:nvGrpSpPr>
+      <p:grpSpPr>
+        <a:xfrm>
+          <a:off x="0" y="0"/>
+          <a:ext cx="0" cy="0"/>
+          <a:chOff x="0" y="0"/>
+          <a:chExt cx="0" cy="0"/>
+        </a:xfrm>
+      </p:grpSpPr>
+      <p:sp>
+        <p:nvSpPr>
+          <p:cNvPr id="2" name="Titel 1">
+            <a:extLst>
+              <a:ext uri="{FF2B5EF4-FFF2-40B4-BE49-F238E27FC236}">
+                <a16:creationId xmlns:a16="http://schemas.microsoft.com/office/drawing/2014/main" id="{A44B3CB2-5264-0617-AB5C-695E201C1257}"/>
+              </a:ext>
+            </a:extLst>
+          </p:cNvPr>
+          <p:cNvSpPr>
+            <a:spLocks noGrp="1"/>
+          </p:cNvSpPr>
+          <p:nvPr>
+            <p:ph type="title"/>
+          </p:nvPr>
+        </p:nvSpPr>
+        <p:spPr>
+          <a:xfrm>
+            <a:off x="1587794" y="1136478"/>
+            <a:ext cx="9016409" cy="1051885"/>
+          </a:xfrm>
+        </p:spPr>
+        <p:txBody>
+          <a:bodyPr anchor="ctr">
+            <a:normAutofit/>
+          </a:bodyPr>
+          <a:lstStyle/>
+          <a:p>
+            <a:pPr algn="ctr"/>
+            <a:r>
+              <a:rPr lang="en-DE" sz="3200">
+                <a:solidFill>
+                  <a:schemeClr val="tx1">
+                    <a:lumMod val="65000"/>
+                    <a:lumOff val="35000"/>
+                  </a:schemeClr>
+                </a:solidFill>
+              </a:rPr>
+              <a:t>Web?</a:t>
+            </a:r>
+          </a:p>
+        </p:txBody>
+      </p:sp>
+      <p:pic>
+        <p:nvPicPr>
+          <p:cNvPr id="14" name="Inhaltsplatzhalter 13" descr="Ein Bild, das Symbol, Grafiken, Kunst enthält.&#10;&#10;Automatisch generierte Beschreibung">
+            <a:extLst>
+              <a:ext uri="{FF2B5EF4-FFF2-40B4-BE49-F238E27FC236}">
+                <a16:creationId xmlns:a16="http://schemas.microsoft.com/office/drawing/2014/main" id="{E76AC838-E759-FA72-8A28-B7F7073D07AC}"/>
+              </a:ext>
+            </a:extLst>
+          </p:cNvPr>
+          <p:cNvPicPr>
+            <a:picLocks noGrp="1" noChangeAspect="1"/>
+          </p:cNvPicPr>
+          <p:nvPr>
+            <p:ph idx="1"/>
+          </p:nvPr>
+        </p:nvPicPr>
+        <p:blipFill>
+          <a:blip r:embed="rId2">
+            <a:extLst>
+              <a:ext uri="{28A0092B-C50C-407E-A947-70E740481C1C}">
+                <a14:useLocalDpi xmlns:a14="http://schemas.microsoft.com/office/drawing/2010/main" val="0"/>
+              </a:ext>
+            </a:extLst>
+          </a:blip>
+          <a:stretch>
+            <a:fillRect/>
+          </a:stretch>
+        </p:blipFill>
+        <p:spPr>
+          <a:xfrm>
+            <a:off x="2187772" y="2329467"/>
+            <a:ext cx="2035496" cy="2035496"/>
+          </a:xfrm>
+        </p:spPr>
+      </p:pic>
+      <p:pic>
+        <p:nvPicPr>
+          <p:cNvPr id="9" name="Grafik 8" descr="Ein Bild, das Grafiken, Kreis, Farbigkeit, Grafikdesign enthält.&#10;&#10;Automatisch generierte Beschreibung">
+            <a:extLst>
+              <a:ext uri="{FF2B5EF4-FFF2-40B4-BE49-F238E27FC236}">
+                <a16:creationId xmlns:a16="http://schemas.microsoft.com/office/drawing/2014/main" id="{CE2B5D1D-DBD5-CBF1-35A6-A64E1E4E4815}"/>
+              </a:ext>
+            </a:extLst>
+          </p:cNvPr>
+          <p:cNvPicPr>
+            <a:picLocks noChangeAspect="1"/>
+          </p:cNvPicPr>
+          <p:nvPr/>
+        </p:nvPicPr>
+        <p:blipFill>
+          <a:blip r:embed="rId3">
+            <a:extLst>
+              <a:ext uri="{28A0092B-C50C-407E-A947-70E740481C1C}">
+                <a14:useLocalDpi xmlns:a14="http://schemas.microsoft.com/office/drawing/2010/main" val="0"/>
+              </a:ext>
+            </a:extLst>
+          </a:blip>
+          <a:stretch>
+            <a:fillRect/>
+          </a:stretch>
+        </p:blipFill>
+        <p:spPr>
+          <a:xfrm>
+            <a:off x="2345482" y="2391333"/>
+            <a:ext cx="1897674" cy="1897674"/>
+          </a:xfrm>
+          <a:prstGeom prst="rect">
+            <a:avLst/>
+          </a:prstGeom>
+        </p:spPr>
+      </p:pic>
+      <p:pic>
+        <p:nvPicPr>
+          <p:cNvPr id="7" name="Grafik 6" descr="Ein Bild, das Kreis, Farbigkeit, Grafiken enthält.&#10;&#10;Automatisch generierte Beschreibung">
+            <a:extLst>
+              <a:ext uri="{FF2B5EF4-FFF2-40B4-BE49-F238E27FC236}">
+                <a16:creationId xmlns:a16="http://schemas.microsoft.com/office/drawing/2014/main" id="{7972C6A1-C2B0-4934-B505-C3E2152A6029}"/>
+              </a:ext>
+            </a:extLst>
+          </p:cNvPr>
+          <p:cNvPicPr>
+            <a:picLocks noChangeAspect="1"/>
+          </p:cNvPicPr>
+          <p:nvPr/>
+        </p:nvPicPr>
+        <p:blipFill>
+          <a:blip r:embed="rId4">
+            <a:extLst>
+              <a:ext uri="{28A0092B-C50C-407E-A947-70E740481C1C}">
+                <a14:useLocalDpi xmlns:a14="http://schemas.microsoft.com/office/drawing/2010/main" val="0"/>
+              </a:ext>
+            </a:extLst>
+          </a:blip>
+          <a:stretch>
+            <a:fillRect/>
+          </a:stretch>
+        </p:blipFill>
+        <p:spPr>
+          <a:xfrm>
+            <a:off x="5147161" y="2372516"/>
+            <a:ext cx="1897675" cy="1897675"/>
+          </a:xfrm>
+          <a:prstGeom prst="rect">
+            <a:avLst/>
+          </a:prstGeom>
+        </p:spPr>
+      </p:pic>
+      <p:pic>
+        <p:nvPicPr>
+          <p:cNvPr id="5" name="Inhaltsplatzhalter 4" descr="Ein Bild, das Grafiken, Clipart, Kreativität enthält.&#10;&#10;Automatisch generierte Beschreibung">
+            <a:extLst>
+              <a:ext uri="{FF2B5EF4-FFF2-40B4-BE49-F238E27FC236}">
+                <a16:creationId xmlns:a16="http://schemas.microsoft.com/office/drawing/2014/main" id="{C3716C64-8AD4-1BAD-6A91-7A6222CC9BBE}"/>
+              </a:ext>
+            </a:extLst>
+          </p:cNvPr>
+          <p:cNvPicPr>
+            <a:picLocks noChangeAspect="1"/>
+          </p:cNvPicPr>
+          <p:nvPr/>
+        </p:nvPicPr>
+        <p:blipFill>
+          <a:blip r:embed="rId5">
+            <a:extLst>
+              <a:ext uri="{28A0092B-C50C-407E-A947-70E740481C1C}">
+                <a14:useLocalDpi xmlns:a14="http://schemas.microsoft.com/office/drawing/2010/main" val="0"/>
+              </a:ext>
+            </a:extLst>
+          </a:blip>
+          <a:stretch>
+            <a:fillRect/>
+          </a:stretch>
+        </p:blipFill>
+        <p:spPr>
+          <a:xfrm>
+            <a:off x="7968729" y="2391331"/>
+            <a:ext cx="1836633" cy="1911768"/>
+          </a:xfrm>
+          <a:prstGeom prst="rect">
+            <a:avLst/>
+          </a:prstGeom>
+        </p:spPr>
+      </p:pic>
+      <p:pic>
+        <p:nvPicPr>
+          <p:cNvPr id="15" name="Inhaltsplatzhalter 13" descr="Ein Bild, das Symbol, Grafiken, Kunst enthält.&#10;&#10;Automatisch generierte Beschreibung">
+            <a:extLst>
+              <a:ext uri="{FF2B5EF4-FFF2-40B4-BE49-F238E27FC236}">
+                <a16:creationId xmlns:a16="http://schemas.microsoft.com/office/drawing/2014/main" id="{8A21343A-BE70-9C5A-8AB8-C2361154F616}"/>
+              </a:ext>
+            </a:extLst>
+          </p:cNvPr>
+          <p:cNvPicPr>
+            <a:picLocks noChangeAspect="1"/>
+          </p:cNvPicPr>
+          <p:nvPr/>
+        </p:nvPicPr>
+        <p:blipFill>
+          <a:blip r:embed="rId2">
+            <a:extLst>
+              <a:ext uri="{28A0092B-C50C-407E-A947-70E740481C1C}">
+                <a14:useLocalDpi xmlns:a14="http://schemas.microsoft.com/office/drawing/2010/main" val="0"/>
+              </a:ext>
+            </a:extLst>
+          </a:blip>
+          <a:stretch>
+            <a:fillRect/>
+          </a:stretch>
+        </p:blipFill>
+        <p:spPr>
+          <a:xfrm>
+            <a:off x="5068089" y="2411251"/>
+            <a:ext cx="2035496" cy="2035496"/>
+          </a:xfrm>
+          <a:prstGeom prst="rect">
+            <a:avLst/>
+          </a:prstGeom>
+        </p:spPr>
+      </p:pic>
+      <p:pic>
+        <p:nvPicPr>
+          <p:cNvPr id="17" name="Inhaltsplatzhalter 13" descr="Ein Bild, das Symbol, Grafiken, Kunst enthält.&#10;&#10;Automatisch generierte Beschreibung">
+            <a:extLst>
+              <a:ext uri="{FF2B5EF4-FFF2-40B4-BE49-F238E27FC236}">
+                <a16:creationId xmlns:a16="http://schemas.microsoft.com/office/drawing/2014/main" id="{9BD5B1B6-EC71-86A0-A1BD-9F24A7916E23}"/>
+              </a:ext>
+            </a:extLst>
+          </p:cNvPr>
+          <p:cNvPicPr>
+            <a:picLocks noChangeAspect="1"/>
+          </p:cNvPicPr>
+          <p:nvPr/>
+        </p:nvPicPr>
+        <p:blipFill>
+          <a:blip r:embed="rId2">
+            <a:extLst>
+              <a:ext uri="{28A0092B-C50C-407E-A947-70E740481C1C}">
+                <a14:useLocalDpi xmlns:a14="http://schemas.microsoft.com/office/drawing/2010/main" val="0"/>
+              </a:ext>
+            </a:extLst>
+          </a:blip>
+          <a:stretch>
+            <a:fillRect/>
+          </a:stretch>
+        </p:blipFill>
+        <p:spPr>
+          <a:xfrm>
+            <a:off x="7897238" y="2329467"/>
+            <a:ext cx="2035496" cy="2035496"/>
+          </a:xfrm>
+          <a:prstGeom prst="rect">
+            <a:avLst/>
+          </a:prstGeom>
+        </p:spPr>
+      </p:pic>
+      <p:sp>
+        <p:nvSpPr>
+          <p:cNvPr id="19" name="Textfeld 18">
+            <a:extLst>
+              <a:ext uri="{FF2B5EF4-FFF2-40B4-BE49-F238E27FC236}">
+                <a16:creationId xmlns:a16="http://schemas.microsoft.com/office/drawing/2014/main" id="{6126C086-9DC8-9016-008D-3DBAD2BA697E}"/>
+              </a:ext>
+            </a:extLst>
+          </p:cNvPr>
+          <p:cNvSpPr txBox="1"/>
+          <p:nvPr/>
+        </p:nvSpPr>
+        <p:spPr>
+          <a:xfrm>
+            <a:off x="2809200" y="4890123"/>
+            <a:ext cx="6751065" cy="523220"/>
+          </a:xfrm>
+          <a:prstGeom prst="rect">
+            <a:avLst/>
+          </a:prstGeom>
+          <a:noFill/>
+        </p:spPr>
+        <p:txBody>
+          <a:bodyPr wrap="square" rtlCol="0">
+            <a:spAutoFit/>
+          </a:bodyPr>
+          <a:lstStyle/>
+          <a:p>
+            <a:pPr algn="ctr"/>
+            <a:r>
+              <a:rPr lang="en-DE" sz="2800" dirty="0"/>
+              <a:t>No Support in major Web browsers!</a:t>
+            </a:r>
+          </a:p>
+        </p:txBody>
+      </p:sp>
+      <p:pic>
+        <p:nvPicPr>
+          <p:cNvPr id="3" name="Inhaltsplatzhalter 13" descr="Ein Bild, das Symbol, Grafiken, Kunst enthält.&#10;&#10;Automatisch generierte Beschreibung">
+            <a:extLst>
+              <a:ext uri="{FF2B5EF4-FFF2-40B4-BE49-F238E27FC236}">
+                <a16:creationId xmlns:a16="http://schemas.microsoft.com/office/drawing/2014/main" id="{6B3DCA3E-E6CB-6483-53BB-8A8FD7169CDF}"/>
+              </a:ext>
+            </a:extLst>
+          </p:cNvPr>
+          <p:cNvPicPr>
+            <a:picLocks noChangeAspect="1"/>
+          </p:cNvPicPr>
+          <p:nvPr/>
+        </p:nvPicPr>
+        <p:blipFill>
+          <a:blip r:embed="rId2">
+            <a:extLst>
+              <a:ext uri="{28A0092B-C50C-407E-A947-70E740481C1C}">
+                <a14:useLocalDpi xmlns:a14="http://schemas.microsoft.com/office/drawing/2010/main" val="0"/>
+              </a:ext>
+            </a:extLst>
+          </a:blip>
+          <a:stretch>
+            <a:fillRect/>
+          </a:stretch>
+        </p:blipFill>
+        <p:spPr>
+          <a:xfrm>
+            <a:off x="2251458" y="2374675"/>
+            <a:ext cx="2035496" cy="2035496"/>
+          </a:xfrm>
+          <a:prstGeom prst="rect">
+            <a:avLst/>
+          </a:prstGeom>
+        </p:spPr>
+      </p:pic>
+    </p:spTree>
+    <p:extLst>
+      <p:ext uri="{BB962C8B-B14F-4D97-AF65-F5344CB8AC3E}">
+        <p14:creationId xmlns:p14="http://schemas.microsoft.com/office/powerpoint/2010/main" val="3344882579"/>
+      </p:ext>
+    </p:extLst>
+  </p:cSld>
+  <p:clrMapOvr>
+    <a:masterClrMapping/>
+  </p:clrMapOvr>
+</p:sld>
+</file>
+
+<file path=ppt/slides/slide11.xml><?xml version="1.0" encoding="utf-8"?>
+<p:sld xmlns:a="http://schemas.openxmlformats.org/drawingml/2006/main" xmlns:r="http://schemas.openxmlformats.org/officeDocument/2006/relationships" xmlns:p="http://schemas.openxmlformats.org/presentationml/2006/main">
+  <p:cSld>
     <p:spTree>
       <p:nvGrpSpPr>
         <p:cNvPr id="1" name=""/>
@@ -12134,7 +12503,7 @@
 </p:sld>
 </file>
 
-<file path=ppt/slides/slide11.xml><?xml version="1.0" encoding="utf-8"?>
+<file path=ppt/slides/slide12.xml><?xml version="1.0" encoding="utf-8"?>
 <p:sld xmlns:a="http://schemas.openxmlformats.org/drawingml/2006/main" xmlns:r="http://schemas.openxmlformats.org/officeDocument/2006/relationships" xmlns:p="http://schemas.openxmlformats.org/presentationml/2006/main">
   <p:cSld>
     <p:spTree>
@@ -12195,14 +12564,14 @@
             <p:ph idx="1"/>
             <p:extLst>
               <p:ext uri="{D42A27DB-BD31-4B8C-83A1-F6EECF244321}">
-                <p14:modId xmlns:p14="http://schemas.microsoft.com/office/powerpoint/2010/main" val="2338629226"/>
+                <p14:modId xmlns:p14="http://schemas.microsoft.com/office/powerpoint/2010/main" val="787737089"/>
               </p:ext>
             </p:extLst>
           </p:nvPr>
         </p:nvGraphicFramePr>
         <p:xfrm>
           <a:off x="677863" y="2160588"/>
-          <a:ext cx="8596312" cy="2575560"/>
+          <a:ext cx="8596312" cy="4038600"/>
         </p:xfrm>
         <a:graphic>
           <a:graphicData uri="http://schemas.openxmlformats.org/drawingml/2006/table">
@@ -12451,6 +12820,15 @@
                         <a:rPr lang="en-DE" dirty="0"/>
                         <a:t>Every function documented</a:t>
                       </a:r>
+                      <a:r>
+                        <a:rPr lang="de-DE" dirty="0"/>
+                        <a:t> in </a:t>
+                      </a:r>
+                      <a:r>
+                        <a:rPr lang="de-DE" dirty="0" err="1"/>
+                        <a:t>Protobuf</a:t>
+                      </a:r>
+                      <a:endParaRPr lang="en-DE" dirty="0"/>
                     </a:p>
                   </a:txBody>
                   <a:tcPr marL="74751" marR="74751"/>
@@ -12500,6 +12878,11 @@
                         <a:rPr lang="en-DE" dirty="0"/>
                         <a:t>Every function documented</a:t>
                       </a:r>
+                      <a:r>
+                        <a:rPr lang="de-DE" dirty="0"/>
+                        <a:t> </a:t>
+                      </a:r>
+                      <a:endParaRPr lang="en-DE" dirty="0"/>
                     </a:p>
                   </a:txBody>
                   <a:tcPr marL="74751" marR="74751"/>
@@ -12507,6 +12890,131 @@
                 <a:extLst>
                   <a:ext uri="{0D108BD9-81ED-4DB2-BD59-A6C34878D82A}">
                     <a16:rowId xmlns:a16="http://schemas.microsoft.com/office/drawing/2014/main" val="4134698336"/>
+                  </a:ext>
+                </a:extLst>
+              </a:tr>
+              <a:tr h="370840">
+                <a:tc>
+                  <a:txBody>
+                    <a:bodyPr/>
+                    <a:lstStyle/>
+                    <a:p>
+                      <a:r>
+                        <a:rPr lang="de-DE" dirty="0"/>
+                        <a:t>Error Handling</a:t>
+                      </a:r>
+                      <a:endParaRPr lang="en-DE" dirty="0"/>
+                    </a:p>
+                  </a:txBody>
+                  <a:tcPr marL="74751" marR="74751"/>
+                </a:tc>
+                <a:tc>
+                  <a:txBody>
+                    <a:bodyPr/>
+                    <a:lstStyle/>
+                    <a:p>
+                      <a:r>
+                        <a:rPr lang="de-DE" dirty="0"/>
+                        <a:t>Explicit </a:t>
+                      </a:r>
+                      <a:r>
+                        <a:rPr lang="de-DE" dirty="0" err="1"/>
+                        <a:t>Errorhandling</a:t>
+                      </a:r>
+                      <a:r>
+                        <a:rPr lang="de-DE" dirty="0"/>
+                        <a:t> in </a:t>
+                      </a:r>
+                      <a:r>
+                        <a:rPr lang="de-DE" dirty="0" err="1"/>
+                        <a:t>function</a:t>
+                      </a:r>
+                      <a:r>
+                        <a:rPr lang="de-DE" dirty="0"/>
+                        <a:t> </a:t>
+                      </a:r>
+                      <a:r>
+                        <a:rPr lang="de-DE" dirty="0" err="1"/>
+                        <a:t>calls</a:t>
+                      </a:r>
+                      <a:endParaRPr lang="en-DE" dirty="0"/>
+                    </a:p>
+                  </a:txBody>
+                  <a:tcPr marL="74751" marR="74751"/>
+                </a:tc>
+                <a:tc>
+                  <a:txBody>
+                    <a:bodyPr/>
+                    <a:lstStyle/>
+                    <a:p>
+                      <a:r>
+                        <a:rPr lang="de-DE" dirty="0"/>
+                        <a:t>HTTP Error </a:t>
+                      </a:r>
+                      <a:r>
+                        <a:rPr lang="de-DE" dirty="0" err="1"/>
+                        <a:t>codes</a:t>
+                      </a:r>
+                      <a:endParaRPr lang="en-DE" dirty="0"/>
+                    </a:p>
+                  </a:txBody>
+                  <a:tcPr marL="74751" marR="74751"/>
+                </a:tc>
+                <a:tc>
+                  <a:txBody>
+                    <a:bodyPr/>
+                    <a:lstStyle/>
+                    <a:p>
+                      <a:r>
+                        <a:rPr lang="de-DE" dirty="0"/>
+                        <a:t>Soap Fault</a:t>
+                      </a:r>
+                    </a:p>
+                    <a:p>
+                      <a:r>
+                        <a:rPr lang="de-DE" dirty="0"/>
+                        <a:t>(XML </a:t>
+                      </a:r>
+                      <a:r>
+                        <a:rPr lang="de-DE" dirty="0" err="1"/>
+                        <a:t>with</a:t>
+                      </a:r>
+                      <a:r>
+                        <a:rPr lang="de-DE" dirty="0"/>
+                        <a:t> </a:t>
+                      </a:r>
+                      <a:r>
+                        <a:rPr lang="de-DE" dirty="0" err="1"/>
+                        <a:t>error</a:t>
+                      </a:r>
+                      <a:r>
+                        <a:rPr lang="de-DE" dirty="0"/>
+                        <a:t> code and </a:t>
+                      </a:r>
+                      <a:r>
+                        <a:rPr lang="de-DE" dirty="0" err="1"/>
+                        <a:t>error</a:t>
+                      </a:r>
+                      <a:r>
+                        <a:rPr lang="de-DE" dirty="0"/>
+                        <a:t> </a:t>
+                      </a:r>
+                      <a:r>
+                        <a:rPr lang="de-DE" dirty="0" err="1"/>
+                        <a:t>information</a:t>
+                      </a:r>
+                      <a:r>
+                        <a:rPr lang="de-DE" dirty="0"/>
+                        <a:t>)</a:t>
+                      </a:r>
+                      <a:endParaRPr lang="en-DE" dirty="0"/>
+                    </a:p>
+                  </a:txBody>
+                  <a:tcPr marL="74751" marR="74751"/>
+                </a:tc>
+                <a:extLst>
+                  <a:ext uri="{0D108BD9-81ED-4DB2-BD59-A6C34878D82A}">
+                    <a16:rowId xmlns:a16="http://schemas.microsoft.com/office/drawing/2014/main" val="3347177974"/>
                   </a:ext>
                 </a:extLst>
               </a:tr>
@@ -12527,7 +13035,7 @@
 </p:sld>
 </file>
 
-<file path=ppt/slides/slide12.xml><?xml version="1.0" encoding="utf-8"?>
+<file path=ppt/slides/slide13.xml><?xml version="1.0" encoding="utf-8"?>
 <p:sld xmlns:a="http://schemas.openxmlformats.org/drawingml/2006/main" xmlns:r="http://schemas.openxmlformats.org/officeDocument/2006/relationships" xmlns:p="http://schemas.openxmlformats.org/presentationml/2006/main">
   <p:cSld>
     <p:spTree>
@@ -12643,7 +13151,7 @@
 </p:sld>
 </file>
 
-<file path=ppt/slides/slide13.xml><?xml version="1.0" encoding="utf-8"?>
+<file path=ppt/slides/slide14.xml><?xml version="1.0" encoding="utf-8"?>
 <p:sld xmlns:a="http://schemas.openxmlformats.org/drawingml/2006/main" xmlns:r="http://schemas.openxmlformats.org/officeDocument/2006/relationships" xmlns:p="http://schemas.openxmlformats.org/presentationml/2006/main">
   <p:cSld>
     <p:spTree>
@@ -12760,7 +13268,7 @@
 </p:sld>
 </file>
 
-<file path=ppt/slides/slide14.xml><?xml version="1.0" encoding="utf-8"?>
+<file path=ppt/slides/slide15.xml><?xml version="1.0" encoding="utf-8"?>
 <p:sld xmlns:a="http://schemas.openxmlformats.org/drawingml/2006/main" xmlns:r="http://schemas.openxmlformats.org/officeDocument/2006/relationships" xmlns:p="http://schemas.openxmlformats.org/presentationml/2006/main">
   <p:cSld>
     <p:spTree>
@@ -12878,7 +13386,7 @@
 </p:sld>
 </file>
 
-<file path=ppt/slides/slide15.xml><?xml version="1.0" encoding="utf-8"?>
+<file path=ppt/slides/slide16.xml><?xml version="1.0" encoding="utf-8"?>
 <p:sld xmlns:a="http://schemas.openxmlformats.org/drawingml/2006/main" xmlns:r="http://schemas.openxmlformats.org/officeDocument/2006/relationships" xmlns:p="http://schemas.openxmlformats.org/presentationml/2006/main">
   <p:cSld>
     <p:spTree>
@@ -12990,7 +13498,7 @@
 </p:sld>
 </file>
 
-<file path=ppt/slides/slide16.xml><?xml version="1.0" encoding="utf-8"?>
+<file path=ppt/slides/slide17.xml><?xml version="1.0" encoding="utf-8"?>
 <p:sld xmlns:a="http://schemas.openxmlformats.org/drawingml/2006/main" xmlns:r="http://schemas.openxmlformats.org/officeDocument/2006/relationships" xmlns:p="http://schemas.openxmlformats.org/presentationml/2006/main">
   <p:cSld>
     <p:spTree>
@@ -13182,7 +13690,7 @@
             <p:ph idx="1"/>
             <p:extLst>
               <p:ext uri="{D42A27DB-BD31-4B8C-83A1-F6EECF244321}">
-                <p14:modId xmlns:p14="http://schemas.microsoft.com/office/powerpoint/2010/main" val="2890508476"/>
+                <p14:modId xmlns:p14="http://schemas.microsoft.com/office/powerpoint/2010/main" val="1592210164"/>
               </p:ext>
             </p:extLst>
           </p:nvPr>
@@ -13414,6 +13922,327 @@
           <p:cNvPr id="2" name="Titel 1">
             <a:extLst>
               <a:ext uri="{FF2B5EF4-FFF2-40B4-BE49-F238E27FC236}">
+                <a16:creationId xmlns:a16="http://schemas.microsoft.com/office/drawing/2014/main" id="{CD907612-6193-6E25-F59F-595771A89482}"/>
+              </a:ext>
+            </a:extLst>
+          </p:cNvPr>
+          <p:cNvSpPr>
+            <a:spLocks noGrp="1"/>
+          </p:cNvSpPr>
+          <p:nvPr>
+            <p:ph type="title"/>
+          </p:nvPr>
+        </p:nvSpPr>
+        <p:spPr/>
+        <p:txBody>
+          <a:bodyPr/>
+          <a:lstStyle/>
+          <a:p>
+            <a:r>
+              <a:rPr lang="de-DE" dirty="0" err="1"/>
+              <a:t>How</a:t>
+            </a:r>
+            <a:r>
+              <a:rPr lang="de-DE" dirty="0"/>
+              <a:t> </a:t>
+            </a:r>
+            <a:r>
+              <a:rPr lang="de-DE" dirty="0" err="1"/>
+              <a:t>does</a:t>
+            </a:r>
+            <a:r>
+              <a:rPr lang="de-DE" dirty="0"/>
+              <a:t> gRPC </a:t>
+            </a:r>
+            <a:r>
+              <a:rPr lang="de-DE" dirty="0" err="1"/>
+              <a:t>work</a:t>
+            </a:r>
+            <a:endParaRPr lang="de-DE" dirty="0"/>
+          </a:p>
+        </p:txBody>
+      </p:sp>
+      <p:sp>
+        <p:nvSpPr>
+          <p:cNvPr id="3" name="Inhaltsplatzhalter 2">
+            <a:extLst>
+              <a:ext uri="{FF2B5EF4-FFF2-40B4-BE49-F238E27FC236}">
+                <a16:creationId xmlns:a16="http://schemas.microsoft.com/office/drawing/2014/main" id="{74B357C7-7A91-6946-9A49-AFD7711A75B1}"/>
+              </a:ext>
+            </a:extLst>
+          </p:cNvPr>
+          <p:cNvSpPr>
+            <a:spLocks noGrp="1"/>
+          </p:cNvSpPr>
+          <p:nvPr>
+            <p:ph idx="1"/>
+          </p:nvPr>
+        </p:nvSpPr>
+        <p:spPr/>
+        <p:txBody>
+          <a:bodyPr/>
+          <a:lstStyle/>
+          <a:p>
+            <a:r>
+              <a:rPr lang="de-DE" dirty="0" err="1"/>
+              <a:t>No</a:t>
+            </a:r>
+            <a:r>
+              <a:rPr lang="de-DE" dirty="0"/>
+              <a:t> URIs!</a:t>
+            </a:r>
+            <a:br>
+              <a:rPr lang="de-DE" dirty="0"/>
+            </a:br>
+            <a:r>
+              <a:rPr lang="de-DE" dirty="0"/>
+              <a:t>-&gt; </a:t>
+            </a:r>
+            <a:r>
+              <a:rPr lang="de-DE" dirty="0" err="1"/>
+              <a:t>Protobuf</a:t>
+            </a:r>
+            <a:r>
+              <a:rPr lang="de-DE" dirty="0"/>
+              <a:t> </a:t>
+            </a:r>
+            <a:r>
+              <a:rPr lang="de-DE" dirty="0" err="1"/>
+              <a:t>file</a:t>
+            </a:r>
+            <a:r>
+              <a:rPr lang="de-DE" dirty="0"/>
+              <a:t> </a:t>
+            </a:r>
+            <a:r>
+              <a:rPr lang="de-DE" dirty="0" err="1"/>
+              <a:t>describes</a:t>
+            </a:r>
+            <a:r>
+              <a:rPr lang="de-DE" dirty="0"/>
+              <a:t> all </a:t>
+            </a:r>
+            <a:r>
+              <a:rPr lang="de-DE" dirty="0" err="1"/>
+              <a:t>callable</a:t>
+            </a:r>
+            <a:r>
+              <a:rPr lang="de-DE" dirty="0"/>
+              <a:t> </a:t>
+            </a:r>
+            <a:r>
+              <a:rPr lang="de-DE" dirty="0" err="1"/>
+              <a:t>functions</a:t>
+            </a:r>
+            <a:r>
+              <a:rPr lang="de-DE" dirty="0"/>
+              <a:t> and </a:t>
+            </a:r>
+            <a:r>
+              <a:rPr lang="de-DE" dirty="0" err="1"/>
+              <a:t>return</a:t>
+            </a:r>
+            <a:r>
+              <a:rPr lang="de-DE" dirty="0"/>
+              <a:t> </a:t>
+            </a:r>
+            <a:r>
+              <a:rPr lang="de-DE" dirty="0" err="1"/>
+              <a:t>types</a:t>
+            </a:r>
+            <a:br>
+              <a:rPr lang="de-DE" dirty="0"/>
+            </a:br>
+            <a:br>
+              <a:rPr lang="de-DE" dirty="0"/>
+            </a:br>
+            <a:endParaRPr lang="de-DE" dirty="0"/>
+          </a:p>
+          <a:p>
+            <a:r>
+              <a:rPr lang="de-DE" dirty="0" err="1"/>
+              <a:t>Requests</a:t>
+            </a:r>
+            <a:r>
+              <a:rPr lang="de-DE" dirty="0"/>
+              <a:t> </a:t>
+            </a:r>
+            <a:r>
+              <a:rPr lang="de-DE" dirty="0" err="1"/>
+              <a:t>feel</a:t>
+            </a:r>
+            <a:r>
+              <a:rPr lang="de-DE" dirty="0"/>
+              <a:t> like </a:t>
+            </a:r>
+            <a:r>
+              <a:rPr lang="de-DE" dirty="0" err="1"/>
+              <a:t>calling</a:t>
+            </a:r>
+            <a:r>
+              <a:rPr lang="de-DE" dirty="0"/>
+              <a:t> „normal“ </a:t>
+            </a:r>
+            <a:r>
+              <a:rPr lang="de-DE" dirty="0" err="1"/>
+              <a:t>functions</a:t>
+            </a:r>
+            <a:endParaRPr lang="de-DE" dirty="0"/>
+          </a:p>
+          <a:p>
+            <a:endParaRPr lang="de-DE" dirty="0"/>
+          </a:p>
+          <a:p>
+            <a:r>
+              <a:rPr lang="de-DE" dirty="0" err="1"/>
+              <a:t>Shared</a:t>
+            </a:r>
+            <a:r>
+              <a:rPr lang="de-DE" dirty="0"/>
+              <a:t> </a:t>
+            </a:r>
+            <a:r>
+              <a:rPr lang="de-DE" dirty="0" err="1"/>
+              <a:t>Protobuf</a:t>
+            </a:r>
+            <a:r>
+              <a:rPr lang="de-DE" dirty="0"/>
+              <a:t> </a:t>
+            </a:r>
+            <a:r>
+              <a:rPr lang="de-DE" dirty="0" err="1"/>
+              <a:t>file</a:t>
+            </a:r>
+            <a:r>
+              <a:rPr lang="de-DE" dirty="0"/>
+              <a:t> </a:t>
+            </a:r>
+            <a:r>
+              <a:rPr lang="de-DE" dirty="0" err="1"/>
+              <a:t>is</a:t>
+            </a:r>
+            <a:r>
+              <a:rPr lang="de-DE" dirty="0"/>
+              <a:t> </a:t>
+            </a:r>
+            <a:r>
+              <a:rPr lang="de-DE" dirty="0" err="1"/>
+              <a:t>required</a:t>
+            </a:r>
+            <a:br>
+              <a:rPr lang="de-DE" dirty="0"/>
+            </a:br>
+            <a:r>
+              <a:rPr lang="de-DE" dirty="0"/>
+              <a:t>-&gt; Host </a:t>
+            </a:r>
+            <a:r>
+              <a:rPr lang="de-DE" dirty="0" err="1"/>
+              <a:t>it</a:t>
+            </a:r>
+            <a:r>
+              <a:rPr lang="de-DE" dirty="0"/>
+              <a:t> on a </a:t>
+            </a:r>
+            <a:r>
+              <a:rPr lang="de-DE" dirty="0" err="1"/>
+              <a:t>public</a:t>
+            </a:r>
+            <a:r>
+              <a:rPr lang="de-DE" dirty="0"/>
+              <a:t> </a:t>
+            </a:r>
+            <a:r>
+              <a:rPr lang="de-DE" dirty="0" err="1"/>
+              <a:t>repository</a:t>
+            </a:r>
+            <a:r>
+              <a:rPr lang="de-DE" dirty="0"/>
+              <a:t>, </a:t>
+            </a:r>
+            <a:r>
+              <a:rPr lang="de-DE" dirty="0" err="1"/>
+              <a:t>or</a:t>
+            </a:r>
+            <a:r>
+              <a:rPr lang="de-DE" dirty="0"/>
+              <a:t> </a:t>
+            </a:r>
+            <a:r>
+              <a:rPr lang="de-DE" dirty="0" err="1"/>
+              <a:t>create</a:t>
+            </a:r>
+            <a:r>
+              <a:rPr lang="de-DE" dirty="0"/>
+              <a:t> a „normal“ </a:t>
+            </a:r>
+            <a:r>
+              <a:rPr lang="de-DE" dirty="0" err="1"/>
+              <a:t>Endpoint</a:t>
+            </a:r>
+            <a:r>
+              <a:rPr lang="de-DE" dirty="0"/>
+              <a:t> </a:t>
+            </a:r>
+            <a:r>
+              <a:rPr lang="de-DE" dirty="0" err="1"/>
+              <a:t>to</a:t>
+            </a:r>
+            <a:r>
+              <a:rPr lang="de-DE" dirty="0"/>
+              <a:t> </a:t>
+            </a:r>
+            <a:r>
+              <a:rPr lang="de-DE" dirty="0" err="1"/>
+              <a:t>fetch</a:t>
+            </a:r>
+            <a:r>
+              <a:rPr lang="de-DE" dirty="0"/>
+              <a:t> </a:t>
+            </a:r>
+            <a:r>
+              <a:rPr lang="de-DE" dirty="0" err="1"/>
+              <a:t>it</a:t>
+            </a:r>
+            <a:endParaRPr lang="de-DE" dirty="0"/>
+          </a:p>
+        </p:txBody>
+      </p:sp>
+    </p:spTree>
+    <p:extLst>
+      <p:ext uri="{BB962C8B-B14F-4D97-AF65-F5344CB8AC3E}">
+        <p14:creationId xmlns:p14="http://schemas.microsoft.com/office/powerpoint/2010/main" val="892868407"/>
+      </p:ext>
+    </p:extLst>
+  </p:cSld>
+  <p:clrMapOvr>
+    <a:masterClrMapping/>
+  </p:clrMapOvr>
+</p:sld>
+</file>
+
+<file path=ppt/slides/slide6.xml><?xml version="1.0" encoding="utf-8"?>
+<p:sld xmlns:a="http://schemas.openxmlformats.org/drawingml/2006/main" xmlns:r="http://schemas.openxmlformats.org/officeDocument/2006/relationships" xmlns:p="http://schemas.openxmlformats.org/presentationml/2006/main">
+  <p:cSld>
+    <p:spTree>
+      <p:nvGrpSpPr>
+        <p:cNvPr id="1" name=""/>
+        <p:cNvGrpSpPr/>
+        <p:nvPr/>
+      </p:nvGrpSpPr>
+      <p:grpSpPr>
+        <a:xfrm>
+          <a:off x="0" y="0"/>
+          <a:ext cx="0" cy="0"/>
+          <a:chOff x="0" y="0"/>
+          <a:chExt cx="0" cy="0"/>
+        </a:xfrm>
+      </p:grpSpPr>
+      <p:sp>
+        <p:nvSpPr>
+          <p:cNvPr id="2" name="Titel 1">
+            <a:extLst>
+              <a:ext uri="{FF2B5EF4-FFF2-40B4-BE49-F238E27FC236}">
                 <a16:creationId xmlns:a16="http://schemas.microsoft.com/office/drawing/2014/main" id="{0E3C5C4E-0963-91B2-983C-037767683C1A}"/>
               </a:ext>
             </a:extLst>
@@ -13528,7 +14357,7 @@
 </p:sld>
 </file>
 
-<file path=ppt/slides/slide6.xml><?xml version="1.0" encoding="utf-8"?>
+<file path=ppt/slides/slide7.xml><?xml version="1.0" encoding="utf-8"?>
 <p:sld xmlns:a="http://schemas.openxmlformats.org/drawingml/2006/main" xmlns:r="http://schemas.openxmlformats.org/officeDocument/2006/relationships" xmlns:p="http://schemas.openxmlformats.org/presentationml/2006/main">
   <p:cSld>
     <p:spTree>
@@ -13851,7 +14680,7 @@
 </p:sld>
 </file>
 
-<file path=ppt/slides/slide7.xml><?xml version="1.0" encoding="utf-8"?>
+<file path=ppt/slides/slide8.xml><?xml version="1.0" encoding="utf-8"?>
 <p:sld xmlns:a="http://schemas.openxmlformats.org/drawingml/2006/main" xmlns:r="http://schemas.openxmlformats.org/officeDocument/2006/relationships" xmlns:p="http://schemas.openxmlformats.org/presentationml/2006/main">
   <p:cSld>
     <p:spTree>
@@ -13945,7 +14774,7 @@
 </p:sld>
 </file>
 
-<file path=ppt/slides/slide8.xml><?xml version="1.0" encoding="utf-8"?>
+<file path=ppt/slides/slide9.xml><?xml version="1.0" encoding="utf-8"?>
 <p:sld xmlns:a="http://schemas.openxmlformats.org/drawingml/2006/main" xmlns:r="http://schemas.openxmlformats.org/officeDocument/2006/relationships" xmlns:p="http://schemas.openxmlformats.org/presentationml/2006/main">
   <p:cSld>
     <p:spTree>
@@ -14316,374 +15145,6 @@
       </p:par>
     </p:tnLst>
   </p:timing>
-</p:sld>
-</file>
-
-<file path=ppt/slides/slide9.xml><?xml version="1.0" encoding="utf-8"?>
-<p:sld xmlns:a="http://schemas.openxmlformats.org/drawingml/2006/main" xmlns:r="http://schemas.openxmlformats.org/officeDocument/2006/relationships" xmlns:p="http://schemas.openxmlformats.org/presentationml/2006/main">
-  <p:cSld>
-    <p:bg>
-      <p:bgPr>
-        <a:solidFill>
-          <a:schemeClr val="bg1"/>
-        </a:solidFill>
-        <a:effectLst/>
-      </p:bgPr>
-    </p:bg>
-    <p:spTree>
-      <p:nvGrpSpPr>
-        <p:cNvPr id="1" name=""/>
-        <p:cNvGrpSpPr/>
-        <p:nvPr/>
-      </p:nvGrpSpPr>
-      <p:grpSpPr>
-        <a:xfrm>
-          <a:off x="0" y="0"/>
-          <a:ext cx="0" cy="0"/>
-          <a:chOff x="0" y="0"/>
-          <a:chExt cx="0" cy="0"/>
-        </a:xfrm>
-      </p:grpSpPr>
-      <p:sp>
-        <p:nvSpPr>
-          <p:cNvPr id="2" name="Titel 1">
-            <a:extLst>
-              <a:ext uri="{FF2B5EF4-FFF2-40B4-BE49-F238E27FC236}">
-                <a16:creationId xmlns:a16="http://schemas.microsoft.com/office/drawing/2014/main" id="{A44B3CB2-5264-0617-AB5C-695E201C1257}"/>
-              </a:ext>
-            </a:extLst>
-          </p:cNvPr>
-          <p:cNvSpPr>
-            <a:spLocks noGrp="1"/>
-          </p:cNvSpPr>
-          <p:nvPr>
-            <p:ph type="title"/>
-          </p:nvPr>
-        </p:nvSpPr>
-        <p:spPr>
-          <a:xfrm>
-            <a:off x="1587794" y="1136478"/>
-            <a:ext cx="9016409" cy="1051885"/>
-          </a:xfrm>
-        </p:spPr>
-        <p:txBody>
-          <a:bodyPr anchor="ctr">
-            <a:normAutofit/>
-          </a:bodyPr>
-          <a:lstStyle/>
-          <a:p>
-            <a:pPr algn="ctr"/>
-            <a:r>
-              <a:rPr lang="en-DE" sz="3200">
-                <a:solidFill>
-                  <a:schemeClr val="tx1">
-                    <a:lumMod val="65000"/>
-                    <a:lumOff val="35000"/>
-                  </a:schemeClr>
-                </a:solidFill>
-              </a:rPr>
-              <a:t>Web?</a:t>
-            </a:r>
-          </a:p>
-        </p:txBody>
-      </p:sp>
-      <p:pic>
-        <p:nvPicPr>
-          <p:cNvPr id="14" name="Inhaltsplatzhalter 13" descr="Ein Bild, das Symbol, Grafiken, Kunst enthält.&#10;&#10;Automatisch generierte Beschreibung">
-            <a:extLst>
-              <a:ext uri="{FF2B5EF4-FFF2-40B4-BE49-F238E27FC236}">
-                <a16:creationId xmlns:a16="http://schemas.microsoft.com/office/drawing/2014/main" id="{E76AC838-E759-FA72-8A28-B7F7073D07AC}"/>
-              </a:ext>
-            </a:extLst>
-          </p:cNvPr>
-          <p:cNvPicPr>
-            <a:picLocks noGrp="1" noChangeAspect="1"/>
-          </p:cNvPicPr>
-          <p:nvPr>
-            <p:ph idx="1"/>
-          </p:nvPr>
-        </p:nvPicPr>
-        <p:blipFill>
-          <a:blip r:embed="rId2">
-            <a:extLst>
-              <a:ext uri="{28A0092B-C50C-407E-A947-70E740481C1C}">
-                <a14:useLocalDpi xmlns:a14="http://schemas.microsoft.com/office/drawing/2010/main" val="0"/>
-              </a:ext>
-            </a:extLst>
-          </a:blip>
-          <a:stretch>
-            <a:fillRect/>
-          </a:stretch>
-        </p:blipFill>
-        <p:spPr>
-          <a:xfrm>
-            <a:off x="2187772" y="2329467"/>
-            <a:ext cx="2035496" cy="2035496"/>
-          </a:xfrm>
-        </p:spPr>
-      </p:pic>
-      <p:pic>
-        <p:nvPicPr>
-          <p:cNvPr id="9" name="Grafik 8" descr="Ein Bild, das Grafiken, Kreis, Farbigkeit, Grafikdesign enthält.&#10;&#10;Automatisch generierte Beschreibung">
-            <a:extLst>
-              <a:ext uri="{FF2B5EF4-FFF2-40B4-BE49-F238E27FC236}">
-                <a16:creationId xmlns:a16="http://schemas.microsoft.com/office/drawing/2014/main" id="{CE2B5D1D-DBD5-CBF1-35A6-A64E1E4E4815}"/>
-              </a:ext>
-            </a:extLst>
-          </p:cNvPr>
-          <p:cNvPicPr>
-            <a:picLocks noChangeAspect="1"/>
-          </p:cNvPicPr>
-          <p:nvPr/>
-        </p:nvPicPr>
-        <p:blipFill>
-          <a:blip r:embed="rId3">
-            <a:extLst>
-              <a:ext uri="{28A0092B-C50C-407E-A947-70E740481C1C}">
-                <a14:useLocalDpi xmlns:a14="http://schemas.microsoft.com/office/drawing/2010/main" val="0"/>
-              </a:ext>
-            </a:extLst>
-          </a:blip>
-          <a:stretch>
-            <a:fillRect/>
-          </a:stretch>
-        </p:blipFill>
-        <p:spPr>
-          <a:xfrm>
-            <a:off x="2345482" y="2391333"/>
-            <a:ext cx="1897674" cy="1897674"/>
-          </a:xfrm>
-          <a:prstGeom prst="rect">
-            <a:avLst/>
-          </a:prstGeom>
-        </p:spPr>
-      </p:pic>
-      <p:pic>
-        <p:nvPicPr>
-          <p:cNvPr id="7" name="Grafik 6" descr="Ein Bild, das Kreis, Farbigkeit, Grafiken enthält.&#10;&#10;Automatisch generierte Beschreibung">
-            <a:extLst>
-              <a:ext uri="{FF2B5EF4-FFF2-40B4-BE49-F238E27FC236}">
-                <a16:creationId xmlns:a16="http://schemas.microsoft.com/office/drawing/2014/main" id="{7972C6A1-C2B0-4934-B505-C3E2152A6029}"/>
-              </a:ext>
-            </a:extLst>
-          </p:cNvPr>
-          <p:cNvPicPr>
-            <a:picLocks noChangeAspect="1"/>
-          </p:cNvPicPr>
-          <p:nvPr/>
-        </p:nvPicPr>
-        <p:blipFill>
-          <a:blip r:embed="rId4">
-            <a:extLst>
-              <a:ext uri="{28A0092B-C50C-407E-A947-70E740481C1C}">
-                <a14:useLocalDpi xmlns:a14="http://schemas.microsoft.com/office/drawing/2010/main" val="0"/>
-              </a:ext>
-            </a:extLst>
-          </a:blip>
-          <a:stretch>
-            <a:fillRect/>
-          </a:stretch>
-        </p:blipFill>
-        <p:spPr>
-          <a:xfrm>
-            <a:off x="5147161" y="2372516"/>
-            <a:ext cx="1897675" cy="1897675"/>
-          </a:xfrm>
-          <a:prstGeom prst="rect">
-            <a:avLst/>
-          </a:prstGeom>
-        </p:spPr>
-      </p:pic>
-      <p:pic>
-        <p:nvPicPr>
-          <p:cNvPr id="5" name="Inhaltsplatzhalter 4" descr="Ein Bild, das Grafiken, Clipart, Kreativität enthält.&#10;&#10;Automatisch generierte Beschreibung">
-            <a:extLst>
-              <a:ext uri="{FF2B5EF4-FFF2-40B4-BE49-F238E27FC236}">
-                <a16:creationId xmlns:a16="http://schemas.microsoft.com/office/drawing/2014/main" id="{C3716C64-8AD4-1BAD-6A91-7A6222CC9BBE}"/>
-              </a:ext>
-            </a:extLst>
-          </p:cNvPr>
-          <p:cNvPicPr>
-            <a:picLocks noChangeAspect="1"/>
-          </p:cNvPicPr>
-          <p:nvPr/>
-        </p:nvPicPr>
-        <p:blipFill>
-          <a:blip r:embed="rId5">
-            <a:extLst>
-              <a:ext uri="{28A0092B-C50C-407E-A947-70E740481C1C}">
-                <a14:useLocalDpi xmlns:a14="http://schemas.microsoft.com/office/drawing/2010/main" val="0"/>
-              </a:ext>
-            </a:extLst>
-          </a:blip>
-          <a:stretch>
-            <a:fillRect/>
-          </a:stretch>
-        </p:blipFill>
-        <p:spPr>
-          <a:xfrm>
-            <a:off x="7968729" y="2391331"/>
-            <a:ext cx="1836633" cy="1911768"/>
-          </a:xfrm>
-          <a:prstGeom prst="rect">
-            <a:avLst/>
-          </a:prstGeom>
-        </p:spPr>
-      </p:pic>
-      <p:pic>
-        <p:nvPicPr>
-          <p:cNvPr id="15" name="Inhaltsplatzhalter 13" descr="Ein Bild, das Symbol, Grafiken, Kunst enthält.&#10;&#10;Automatisch generierte Beschreibung">
-            <a:extLst>
-              <a:ext uri="{FF2B5EF4-FFF2-40B4-BE49-F238E27FC236}">
-                <a16:creationId xmlns:a16="http://schemas.microsoft.com/office/drawing/2014/main" id="{8A21343A-BE70-9C5A-8AB8-C2361154F616}"/>
-              </a:ext>
-            </a:extLst>
-          </p:cNvPr>
-          <p:cNvPicPr>
-            <a:picLocks noChangeAspect="1"/>
-          </p:cNvPicPr>
-          <p:nvPr/>
-        </p:nvPicPr>
-        <p:blipFill>
-          <a:blip r:embed="rId2">
-            <a:extLst>
-              <a:ext uri="{28A0092B-C50C-407E-A947-70E740481C1C}">
-                <a14:useLocalDpi xmlns:a14="http://schemas.microsoft.com/office/drawing/2010/main" val="0"/>
-              </a:ext>
-            </a:extLst>
-          </a:blip>
-          <a:stretch>
-            <a:fillRect/>
-          </a:stretch>
-        </p:blipFill>
-        <p:spPr>
-          <a:xfrm>
-            <a:off x="5068089" y="2411251"/>
-            <a:ext cx="2035496" cy="2035496"/>
-          </a:xfrm>
-          <a:prstGeom prst="rect">
-            <a:avLst/>
-          </a:prstGeom>
-        </p:spPr>
-      </p:pic>
-      <p:pic>
-        <p:nvPicPr>
-          <p:cNvPr id="17" name="Inhaltsplatzhalter 13" descr="Ein Bild, das Symbol, Grafiken, Kunst enthält.&#10;&#10;Automatisch generierte Beschreibung">
-            <a:extLst>
-              <a:ext uri="{FF2B5EF4-FFF2-40B4-BE49-F238E27FC236}">
-                <a16:creationId xmlns:a16="http://schemas.microsoft.com/office/drawing/2014/main" id="{9BD5B1B6-EC71-86A0-A1BD-9F24A7916E23}"/>
-              </a:ext>
-            </a:extLst>
-          </p:cNvPr>
-          <p:cNvPicPr>
-            <a:picLocks noChangeAspect="1"/>
-          </p:cNvPicPr>
-          <p:nvPr/>
-        </p:nvPicPr>
-        <p:blipFill>
-          <a:blip r:embed="rId2">
-            <a:extLst>
-              <a:ext uri="{28A0092B-C50C-407E-A947-70E740481C1C}">
-                <a14:useLocalDpi xmlns:a14="http://schemas.microsoft.com/office/drawing/2010/main" val="0"/>
-              </a:ext>
-            </a:extLst>
-          </a:blip>
-          <a:stretch>
-            <a:fillRect/>
-          </a:stretch>
-        </p:blipFill>
-        <p:spPr>
-          <a:xfrm>
-            <a:off x="7897238" y="2329467"/>
-            <a:ext cx="2035496" cy="2035496"/>
-          </a:xfrm>
-          <a:prstGeom prst="rect">
-            <a:avLst/>
-          </a:prstGeom>
-        </p:spPr>
-      </p:pic>
-      <p:sp>
-        <p:nvSpPr>
-          <p:cNvPr id="19" name="Textfeld 18">
-            <a:extLst>
-              <a:ext uri="{FF2B5EF4-FFF2-40B4-BE49-F238E27FC236}">
-                <a16:creationId xmlns:a16="http://schemas.microsoft.com/office/drawing/2014/main" id="{6126C086-9DC8-9016-008D-3DBAD2BA697E}"/>
-              </a:ext>
-            </a:extLst>
-          </p:cNvPr>
-          <p:cNvSpPr txBox="1"/>
-          <p:nvPr/>
-        </p:nvSpPr>
-        <p:spPr>
-          <a:xfrm>
-            <a:off x="2809200" y="4890123"/>
-            <a:ext cx="6751065" cy="523220"/>
-          </a:xfrm>
-          <a:prstGeom prst="rect">
-            <a:avLst/>
-          </a:prstGeom>
-          <a:noFill/>
-        </p:spPr>
-        <p:txBody>
-          <a:bodyPr wrap="square" rtlCol="0">
-            <a:spAutoFit/>
-          </a:bodyPr>
-          <a:lstStyle/>
-          <a:p>
-            <a:pPr algn="ctr"/>
-            <a:r>
-              <a:rPr lang="en-DE" sz="2800" dirty="0"/>
-              <a:t>No Support in major Web browsers!</a:t>
-            </a:r>
-          </a:p>
-        </p:txBody>
-      </p:sp>
-      <p:pic>
-        <p:nvPicPr>
-          <p:cNvPr id="3" name="Inhaltsplatzhalter 13" descr="Ein Bild, das Symbol, Grafiken, Kunst enthält.&#10;&#10;Automatisch generierte Beschreibung">
-            <a:extLst>
-              <a:ext uri="{FF2B5EF4-FFF2-40B4-BE49-F238E27FC236}">
-                <a16:creationId xmlns:a16="http://schemas.microsoft.com/office/drawing/2014/main" id="{6B3DCA3E-E6CB-6483-53BB-8A8FD7169CDF}"/>
-              </a:ext>
-            </a:extLst>
-          </p:cNvPr>
-          <p:cNvPicPr>
-            <a:picLocks noChangeAspect="1"/>
-          </p:cNvPicPr>
-          <p:nvPr/>
-        </p:nvPicPr>
-        <p:blipFill>
-          <a:blip r:embed="rId2">
-            <a:extLst>
-              <a:ext uri="{28A0092B-C50C-407E-A947-70E740481C1C}">
-                <a14:useLocalDpi xmlns:a14="http://schemas.microsoft.com/office/drawing/2010/main" val="0"/>
-              </a:ext>
-            </a:extLst>
-          </a:blip>
-          <a:stretch>
-            <a:fillRect/>
-          </a:stretch>
-        </p:blipFill>
-        <p:spPr>
-          <a:xfrm>
-            <a:off x="2251458" y="2374675"/>
-            <a:ext cx="2035496" cy="2035496"/>
-          </a:xfrm>
-          <a:prstGeom prst="rect">
-            <a:avLst/>
-          </a:prstGeom>
-        </p:spPr>
-      </p:pic>
-    </p:spTree>
-    <p:extLst>
-      <p:ext uri="{BB962C8B-B14F-4D97-AF65-F5344CB8AC3E}">
-        <p14:creationId xmlns:p14="http://schemas.microsoft.com/office/powerpoint/2010/main" val="3344882579"/>
-      </p:ext>
-    </p:extLst>
-  </p:cSld>
-  <p:clrMapOvr>
-    <a:masterClrMapping/>
-  </p:clrMapOvr>
 </p:sld>
 </file>
 
